--- a/Files/Progress report team 1 group 6.pptx
+++ b/Files/Progress report team 1 group 6.pptx
@@ -17,10 +17,11 @@
     <p:sldId id="267" r:id="rId11"/>
     <p:sldId id="265" r:id="rId12"/>
     <p:sldId id="270" r:id="rId13"/>
-    <p:sldId id="271" r:id="rId14"/>
-    <p:sldId id="258" r:id="rId15"/>
-    <p:sldId id="268" r:id="rId16"/>
-    <p:sldId id="269" r:id="rId17"/>
+    <p:sldId id="272" r:id="rId14"/>
+    <p:sldId id="271" r:id="rId15"/>
+    <p:sldId id="258" r:id="rId16"/>
+    <p:sldId id="268" r:id="rId17"/>
+    <p:sldId id="269" r:id="rId18"/>
   </p:sldIdLst>
   <p:sldSz cx="12192000" cy="6858000"/>
   <p:notesSz cx="6858000" cy="9144000"/>
@@ -849,7 +850,7 @@
           <a:p>
             <a:fld id="{B56CCFF8-88A7-45FB-B9DB-E64E22B04F34}" type="datetimeFigureOut">
               <a:rPr lang="en-GB" smtClean="0"/>
-              <a:t>04/02/2019</a:t>
+              <a:t>11/02/2019</a:t>
             </a:fld>
             <a:endParaRPr lang="en-GB"/>
           </a:p>
@@ -1100,7 +1101,7 @@
           <a:p>
             <a:fld id="{B56CCFF8-88A7-45FB-B9DB-E64E22B04F34}" type="datetimeFigureOut">
               <a:rPr lang="en-GB" smtClean="0"/>
-              <a:t>04/02/2019</a:t>
+              <a:t>11/02/2019</a:t>
             </a:fld>
             <a:endParaRPr lang="en-GB"/>
           </a:p>
@@ -1414,7 +1415,7 @@
           <a:p>
             <a:fld id="{B56CCFF8-88A7-45FB-B9DB-E64E22B04F34}" type="datetimeFigureOut">
               <a:rPr lang="en-GB" smtClean="0"/>
-              <a:t>04/02/2019</a:t>
+              <a:t>11/02/2019</a:t>
             </a:fld>
             <a:endParaRPr lang="en-GB"/>
           </a:p>
@@ -1755,7 +1756,7 @@
           <a:p>
             <a:fld id="{B56CCFF8-88A7-45FB-B9DB-E64E22B04F34}" type="datetimeFigureOut">
               <a:rPr lang="en-GB" smtClean="0"/>
-              <a:t>04/02/2019</a:t>
+              <a:t>11/02/2019</a:t>
             </a:fld>
             <a:endParaRPr lang="en-GB"/>
           </a:p>
@@ -2069,7 +2070,7 @@
           <a:p>
             <a:fld id="{B56CCFF8-88A7-45FB-B9DB-E64E22B04F34}" type="datetimeFigureOut">
               <a:rPr lang="en-GB" smtClean="0"/>
-              <a:t>04/02/2019</a:t>
+              <a:t>11/02/2019</a:t>
             </a:fld>
             <a:endParaRPr lang="en-GB"/>
           </a:p>
@@ -2462,7 +2463,7 @@
           <a:p>
             <a:fld id="{B56CCFF8-88A7-45FB-B9DB-E64E22B04F34}" type="datetimeFigureOut">
               <a:rPr lang="en-GB" smtClean="0"/>
-              <a:t>04/02/2019</a:t>
+              <a:t>11/02/2019</a:t>
             </a:fld>
             <a:endParaRPr lang="en-GB"/>
           </a:p>
@@ -2632,7 +2633,7 @@
           <a:p>
             <a:fld id="{B56CCFF8-88A7-45FB-B9DB-E64E22B04F34}" type="datetimeFigureOut">
               <a:rPr lang="en-GB" smtClean="0"/>
-              <a:t>04/02/2019</a:t>
+              <a:t>11/02/2019</a:t>
             </a:fld>
             <a:endParaRPr lang="en-GB"/>
           </a:p>
@@ -2812,7 +2813,7 @@
           <a:p>
             <a:fld id="{B56CCFF8-88A7-45FB-B9DB-E64E22B04F34}" type="datetimeFigureOut">
               <a:rPr lang="en-GB" smtClean="0"/>
-              <a:t>04/02/2019</a:t>
+              <a:t>11/02/2019</a:t>
             </a:fld>
             <a:endParaRPr lang="en-GB"/>
           </a:p>
@@ -2988,7 +2989,7 @@
           <a:p>
             <a:fld id="{B56CCFF8-88A7-45FB-B9DB-E64E22B04F34}" type="datetimeFigureOut">
               <a:rPr lang="en-GB" smtClean="0"/>
-              <a:t>04/02/2019</a:t>
+              <a:t>11/02/2019</a:t>
             </a:fld>
             <a:endParaRPr lang="en-GB"/>
           </a:p>
@@ -3235,7 +3236,7 @@
           <a:p>
             <a:fld id="{B56CCFF8-88A7-45FB-B9DB-E64E22B04F34}" type="datetimeFigureOut">
               <a:rPr lang="en-GB" smtClean="0"/>
-              <a:t>04/02/2019</a:t>
+              <a:t>11/02/2019</a:t>
             </a:fld>
             <a:endParaRPr lang="en-GB"/>
           </a:p>
@@ -3467,7 +3468,7 @@
           <a:p>
             <a:fld id="{B56CCFF8-88A7-45FB-B9DB-E64E22B04F34}" type="datetimeFigureOut">
               <a:rPr lang="en-GB" smtClean="0"/>
-              <a:t>04/02/2019</a:t>
+              <a:t>11/02/2019</a:t>
             </a:fld>
             <a:endParaRPr lang="en-GB"/>
           </a:p>
@@ -3841,7 +3842,7 @@
           <a:p>
             <a:fld id="{B56CCFF8-88A7-45FB-B9DB-E64E22B04F34}" type="datetimeFigureOut">
               <a:rPr lang="en-GB" smtClean="0"/>
-              <a:t>04/02/2019</a:t>
+              <a:t>11/02/2019</a:t>
             </a:fld>
             <a:endParaRPr lang="en-GB"/>
           </a:p>
@@ -3964,7 +3965,7 @@
           <a:p>
             <a:fld id="{B56CCFF8-88A7-45FB-B9DB-E64E22B04F34}" type="datetimeFigureOut">
               <a:rPr lang="en-GB" smtClean="0"/>
-              <a:t>04/02/2019</a:t>
+              <a:t>11/02/2019</a:t>
             </a:fld>
             <a:endParaRPr lang="en-GB"/>
           </a:p>
@@ -4059,7 +4060,7 @@
           <a:p>
             <a:fld id="{B56CCFF8-88A7-45FB-B9DB-E64E22B04F34}" type="datetimeFigureOut">
               <a:rPr lang="en-GB" smtClean="0"/>
-              <a:t>04/02/2019</a:t>
+              <a:t>11/02/2019</a:t>
             </a:fld>
             <a:endParaRPr lang="en-GB"/>
           </a:p>
@@ -4314,7 +4315,7 @@
           <a:p>
             <a:fld id="{B56CCFF8-88A7-45FB-B9DB-E64E22B04F34}" type="datetimeFigureOut">
               <a:rPr lang="en-GB" smtClean="0"/>
-              <a:t>04/02/2019</a:t>
+              <a:t>11/02/2019</a:t>
             </a:fld>
             <a:endParaRPr lang="en-GB"/>
           </a:p>
@@ -4577,7 +4578,7 @@
           <a:p>
             <a:fld id="{B56CCFF8-88A7-45FB-B9DB-E64E22B04F34}" type="datetimeFigureOut">
               <a:rPr lang="en-GB" smtClean="0"/>
-              <a:t>04/02/2019</a:t>
+              <a:t>11/02/2019</a:t>
             </a:fld>
             <a:endParaRPr lang="en-GB"/>
           </a:p>
@@ -5320,7 +5321,7 @@
           <a:p>
             <a:fld id="{B56CCFF8-88A7-45FB-B9DB-E64E22B04F34}" type="datetimeFigureOut">
               <a:rPr lang="en-GB" smtClean="0"/>
-              <a:t>04/02/2019</a:t>
+              <a:t>11/02/2019</a:t>
             </a:fld>
             <a:endParaRPr lang="en-GB"/>
           </a:p>
@@ -6301,6 +6302,101 @@
           <a:p>
             <a:r>
               <a:rPr lang="en-GB" dirty="0"/>
+              <a:t>Gantt Chart</a:t>
+            </a:r>
+          </a:p>
+        </p:txBody>
+      </p:sp>
+      <p:sp>
+        <p:nvSpPr>
+          <p:cNvPr id="5" name="Content Placeholder 4"/>
+          <p:cNvSpPr>
+            <a:spLocks noGrp="1"/>
+          </p:cNvSpPr>
+          <p:nvPr>
+            <p:ph idx="1"/>
+          </p:nvPr>
+        </p:nvSpPr>
+        <p:spPr/>
+        <p:txBody>
+          <a:bodyPr/>
+          <a:lstStyle/>
+          <a:p>
+            <a:endParaRPr lang="en-GB"/>
+          </a:p>
+        </p:txBody>
+      </p:sp>
+      <p:pic>
+        <p:nvPicPr>
+          <p:cNvPr id="6" name="Picture 5"/>
+          <p:cNvPicPr>
+            <a:picLocks noChangeAspect="1"/>
+          </p:cNvPicPr>
+          <p:nvPr/>
+        </p:nvPicPr>
+        <p:blipFill>
+          <a:blip r:embed="rId2"/>
+          <a:stretch>
+            <a:fillRect/>
+          </a:stretch>
+        </p:blipFill>
+        <p:spPr>
+          <a:xfrm>
+            <a:off x="892925" y="1457498"/>
+            <a:ext cx="8610600" cy="3810000"/>
+          </a:xfrm>
+          <a:prstGeom prst="rect">
+            <a:avLst/>
+          </a:prstGeom>
+        </p:spPr>
+      </p:pic>
+    </p:spTree>
+    <p:extLst>
+      <p:ext uri="{BB962C8B-B14F-4D97-AF65-F5344CB8AC3E}">
+        <p14:creationId xmlns:p14="http://schemas.microsoft.com/office/powerpoint/2010/main" val="2160268539"/>
+      </p:ext>
+    </p:extLst>
+  </p:cSld>
+  <p:clrMapOvr>
+    <a:masterClrMapping/>
+  </p:clrMapOvr>
+</p:sld>
+</file>
+
+<file path=ppt/slides/slide14.xml><?xml version="1.0" encoding="utf-8"?>
+<p:sld xmlns:a="http://schemas.openxmlformats.org/drawingml/2006/main" xmlns:r="http://schemas.openxmlformats.org/officeDocument/2006/relationships" xmlns:p="http://schemas.openxmlformats.org/presentationml/2006/main">
+  <p:cSld>
+    <p:spTree>
+      <p:nvGrpSpPr>
+        <p:cNvPr id="1" name=""/>
+        <p:cNvGrpSpPr/>
+        <p:nvPr/>
+      </p:nvGrpSpPr>
+      <p:grpSpPr>
+        <a:xfrm>
+          <a:off x="0" y="0"/>
+          <a:ext cx="0" cy="0"/>
+          <a:chOff x="0" y="0"/>
+          <a:chExt cx="0" cy="0"/>
+        </a:xfrm>
+      </p:grpSpPr>
+      <p:sp>
+        <p:nvSpPr>
+          <p:cNvPr id="2" name="Title 1"/>
+          <p:cNvSpPr>
+            <a:spLocks noGrp="1"/>
+          </p:cNvSpPr>
+          <p:nvPr>
+            <p:ph type="title"/>
+          </p:nvPr>
+        </p:nvSpPr>
+        <p:spPr/>
+        <p:txBody>
+          <a:bodyPr/>
+          <a:lstStyle/>
+          <a:p>
+            <a:r>
+              <a:rPr lang="en-GB" dirty="0"/>
               <a:t>Phase 1 Reflection</a:t>
             </a:r>
           </a:p>
@@ -6378,7 +6474,7 @@
 </p:sld>
 </file>
 
-<file path=ppt/slides/slide14.xml><?xml version="1.0" encoding="utf-8"?>
+<file path=ppt/slides/slide15.xml><?xml version="1.0" encoding="utf-8"?>
 <p:sld xmlns:a="http://schemas.openxmlformats.org/drawingml/2006/main" xmlns:r="http://schemas.openxmlformats.org/officeDocument/2006/relationships" xmlns:p="http://schemas.openxmlformats.org/presentationml/2006/main">
   <p:cSld>
     <p:spTree>
@@ -6451,25 +6547,8 @@
                   </a:schemeClr>
                 </a:solidFill>
               </a:rPr>
-              <a:t>in </a:t>
-            </a:r>
-            <a:r>
-              <a:rPr lang="en-GB" i="1" dirty="0" smtClean="0">
-                <a:solidFill>
-                  <a:schemeClr val="bg1">
-                    <a:lumMod val="65000"/>
-                  </a:schemeClr>
-                </a:solidFill>
-              </a:rPr>
-              <a:t>progress</a:t>
-            </a:r>
-            <a:endParaRPr lang="en-GB" i="1" dirty="0" smtClean="0">
-              <a:solidFill>
-                <a:schemeClr val="bg1">
-                  <a:lumMod val="65000"/>
-                </a:schemeClr>
-              </a:solidFill>
-            </a:endParaRPr>
+              <a:t>in progress</a:t>
+            </a:r>
           </a:p>
           <a:p>
             <a:r>
@@ -6512,7 +6591,7 @@
 </p:sld>
 </file>
 
-<file path=ppt/slides/slide15.xml><?xml version="1.0" encoding="utf-8"?>
+<file path=ppt/slides/slide16.xml><?xml version="1.0" encoding="utf-8"?>
 <p:sld xmlns:a="http://schemas.openxmlformats.org/drawingml/2006/main" xmlns:r="http://schemas.openxmlformats.org/officeDocument/2006/relationships" xmlns:p="http://schemas.openxmlformats.org/presentationml/2006/main">
   <p:cSld>
     <p:spTree>
@@ -6615,7 +6694,7 @@
 </p:sld>
 </file>
 
-<file path=ppt/slides/slide16.xml><?xml version="1.0" encoding="utf-8"?>
+<file path=ppt/slides/slide17.xml><?xml version="1.0" encoding="utf-8"?>
 <p:sld xmlns:a="http://schemas.openxmlformats.org/drawingml/2006/main" xmlns:r="http://schemas.openxmlformats.org/officeDocument/2006/relationships" xmlns:p="http://schemas.openxmlformats.org/presentationml/2006/main">
   <p:cSld>
     <p:spTree>
@@ -7665,11 +7744,7 @@
           <a:p>
             <a:r>
               <a:rPr lang="en-GB" sz="1300" dirty="0" smtClean="0"/>
-              <a:t>Description about why the action is taking place </a:t>
-            </a:r>
-            <a:r>
-              <a:rPr lang="en-GB" sz="1300" dirty="0" smtClean="0"/>
-              <a:t>and any additional comments about the action </a:t>
+              <a:t>Description about why the action is taking place and any additional comments about the action </a:t>
             </a:r>
             <a:endParaRPr lang="en-GB" sz="1300" dirty="0"/>
           </a:p>
@@ -8058,7 +8133,7 @@
         <p:spPr>
           <a:xfrm>
             <a:off x="429041" y="4818265"/>
-            <a:ext cx="2385954" cy="892552"/>
+            <a:ext cx="2385954" cy="692497"/>
           </a:xfrm>
           <a:prstGeom prst="rect">
             <a:avLst/>
@@ -8079,7 +8154,15 @@
           <a:p>
             <a:r>
               <a:rPr lang="en-GB" sz="1300" dirty="0" smtClean="0"/>
-              <a:t>Opens a new window (in progress) for adding a completely new disciplinary action.</a:t>
+              <a:t>Opens a new </a:t>
+            </a:r>
+            <a:r>
+              <a:rPr lang="en-GB" sz="1300" dirty="0" smtClean="0"/>
+              <a:t>for </a:t>
+            </a:r>
+            <a:r>
+              <a:rPr lang="en-GB" sz="1300" dirty="0" smtClean="0"/>
+              <a:t>adding a completely new disciplinary action.</a:t>
             </a:r>
             <a:endParaRPr lang="en-GB" sz="1300" dirty="0"/>
           </a:p>
@@ -8095,8 +8178,8 @@
         </p:nvCxnSpPr>
         <p:spPr>
           <a:xfrm>
-            <a:off x="2814995" y="5264541"/>
-            <a:ext cx="2621529" cy="1014002"/>
+            <a:off x="2814995" y="5164514"/>
+            <a:ext cx="2621529" cy="1114029"/>
           </a:xfrm>
           <a:prstGeom prst="straightConnector1">
             <a:avLst/>
@@ -8183,15 +8266,74 @@
           </a:p>
         </p:txBody>
       </p:sp>
+      <p:sp>
+        <p:nvSpPr>
+          <p:cNvPr id="6" name="TextBox 5"/>
+          <p:cNvSpPr txBox="1"/>
+          <p:nvPr/>
+        </p:nvSpPr>
+        <p:spPr>
+          <a:xfrm>
+            <a:off x="706582" y="5437602"/>
+            <a:ext cx="5378334" cy="353943"/>
+          </a:xfrm>
+          <a:prstGeom prst="rect">
+            <a:avLst/>
+          </a:prstGeom>
+          <a:noFill/>
+        </p:spPr>
+        <p:txBody>
+          <a:bodyPr wrap="square" rtlCol="0">
+            <a:spAutoFit/>
+          </a:bodyPr>
+          <a:lstStyle/>
+          <a:p>
+            <a:r>
+              <a:rPr lang="en-GB" sz="1700" b="1" i="1" dirty="0" smtClean="0">
+                <a:solidFill>
+                  <a:schemeClr val="bg1">
+                    <a:lumMod val="50000"/>
+                  </a:schemeClr>
+                </a:solidFill>
+              </a:rPr>
+              <a:t>*current data is for testing purposes only</a:t>
+            </a:r>
+            <a:endParaRPr lang="en-GB" sz="1700" b="1" i="1" dirty="0">
+              <a:solidFill>
+                <a:schemeClr val="bg1">
+                  <a:lumMod val="50000"/>
+                </a:schemeClr>
+              </a:solidFill>
+            </a:endParaRPr>
+          </a:p>
+        </p:txBody>
+      </p:sp>
+      <p:sp>
+        <p:nvSpPr>
+          <p:cNvPr id="3" name="Content Placeholder 2"/>
+          <p:cNvSpPr>
+            <a:spLocks noGrp="1"/>
+          </p:cNvSpPr>
+          <p:nvPr>
+            <p:ph idx="1"/>
+          </p:nvPr>
+        </p:nvSpPr>
+        <p:spPr/>
+        <p:txBody>
+          <a:bodyPr/>
+          <a:lstStyle/>
+          <a:p>
+            <a:endParaRPr lang="en-GB" dirty="0"/>
+          </a:p>
+        </p:txBody>
+      </p:sp>
       <p:pic>
         <p:nvPicPr>
-          <p:cNvPr id="4" name="Content Placeholder 3"/>
+          <p:cNvPr id="7" name="Picture 6"/>
           <p:cNvPicPr>
-            <a:picLocks noGrp="1" noChangeAspect="1"/>
+            <a:picLocks noChangeAspect="1"/>
           </p:cNvPicPr>
-          <p:nvPr>
-            <p:ph idx="1"/>
-          </p:nvPr>
+          <p:nvPr/>
         </p:nvPicPr>
         <p:blipFill>
           <a:blip r:embed="rId2"/>
@@ -8201,8 +8343,8 @@
         </p:blipFill>
         <p:spPr>
           <a:xfrm>
-            <a:off x="6308560" y="1787221"/>
-            <a:ext cx="5675988" cy="3523284"/>
+            <a:off x="6265891" y="1787221"/>
+            <a:ext cx="5677591" cy="3524279"/>
           </a:xfrm>
           <a:prstGeom prst="rect">
             <a:avLst/>
@@ -8211,7 +8353,7 @@
       </p:pic>
       <p:pic>
         <p:nvPicPr>
-          <p:cNvPr id="5" name="Picture 4"/>
+          <p:cNvPr id="8" name="Picture 7"/>
           <p:cNvPicPr>
             <a:picLocks noChangeAspect="1"/>
           </p:cNvPicPr>
@@ -8225,56 +8367,14 @@
         </p:blipFill>
         <p:spPr>
           <a:xfrm>
-            <a:off x="407324" y="1787221"/>
-            <a:ext cx="5677592" cy="3524279"/>
+            <a:off x="355543" y="1787221"/>
+            <a:ext cx="5729373" cy="3556422"/>
           </a:xfrm>
           <a:prstGeom prst="rect">
             <a:avLst/>
           </a:prstGeom>
         </p:spPr>
       </p:pic>
-      <p:sp>
-        <p:nvSpPr>
-          <p:cNvPr id="6" name="TextBox 5"/>
-          <p:cNvSpPr txBox="1"/>
-          <p:nvPr/>
-        </p:nvSpPr>
-        <p:spPr>
-          <a:xfrm>
-            <a:off x="706582" y="5437602"/>
-            <a:ext cx="5378334" cy="353943"/>
-          </a:xfrm>
-          <a:prstGeom prst="rect">
-            <a:avLst/>
-          </a:prstGeom>
-          <a:noFill/>
-        </p:spPr>
-        <p:txBody>
-          <a:bodyPr wrap="square" rtlCol="0">
-            <a:spAutoFit/>
-          </a:bodyPr>
-          <a:lstStyle/>
-          <a:p>
-            <a:r>
-              <a:rPr lang="en-GB" sz="1700" b="1" i="1" dirty="0" smtClean="0">
-                <a:solidFill>
-                  <a:schemeClr val="bg1">
-                    <a:lumMod val="50000"/>
-                  </a:schemeClr>
-                </a:solidFill>
-              </a:rPr>
-              <a:t>*current data is for testing purposes only</a:t>
-            </a:r>
-            <a:endParaRPr lang="en-GB" sz="1700" b="1" i="1" dirty="0">
-              <a:solidFill>
-                <a:schemeClr val="bg1">
-                  <a:lumMod val="50000"/>
-                </a:schemeClr>
-              </a:solidFill>
-            </a:endParaRPr>
-          </a:p>
-        </p:txBody>
-      </p:sp>
     </p:spTree>
     <p:extLst>
       <p:ext uri="{BB962C8B-B14F-4D97-AF65-F5344CB8AC3E}">
